--- a/20231116_MMLTE_Presentation.pptx
+++ b/20231116_MMLTE_Presentation.pptx
@@ -5,10 +5,10 @@
     <p:sldMasterId id="2147483648" r:id="rId1"/>
   </p:sldMasterIdLst>
   <p:notesMasterIdLst>
-    <p:notesMasterId r:id="rId7"/>
+    <p:notesMasterId r:id="rId8"/>
   </p:notesMasterIdLst>
   <p:handoutMasterIdLst>
-    <p:handoutMasterId r:id="rId8"/>
+    <p:handoutMasterId r:id="rId9"/>
   </p:handoutMasterIdLst>
   <p:sldIdLst>
     <p:sldId id="256" r:id="rId2"/>
@@ -16,6 +16,7 @@
     <p:sldId id="258" r:id="rId4"/>
     <p:sldId id="259" r:id="rId5"/>
     <p:sldId id="260" r:id="rId6"/>
+    <p:sldId id="261" r:id="rId7"/>
   </p:sldIdLst>
   <p:sldSz cx="12192000" cy="6858000"/>
   <p:notesSz cx="6858000" cy="9144000"/>
@@ -54739,69 +54740,83 @@
           <a:lstStyle/>
           <a:p>
             <a:r>
-              <a:rPr lang="en-US" u="sng" dirty="0"/>
+              <a:rPr lang="en-US" sz="2000" u="sng" dirty="0"/>
               <a:t>Descriptive Statistics</a:t>
             </a:r>
             <a:r>
-              <a:rPr lang="en-US" dirty="0"/>
-              <a:t>.</a:t>
-            </a:r>
-          </a:p>
-          <a:p>
-            <a:r>
-              <a:rPr lang="en-US" u="sng" dirty="0"/>
-              <a:t>Clustering (quantitative)</a:t>
-            </a:r>
-            <a:r>
-              <a:rPr lang="en-US" dirty="0"/>
-              <a:t>.</a:t>
-            </a:r>
-          </a:p>
-          <a:p>
-            <a:r>
-              <a:rPr lang="en-US" u="sng" dirty="0"/>
-              <a:t>Subdomain Analysis (qualitative)</a:t>
-            </a:r>
-            <a:r>
-              <a:rPr lang="en-US" dirty="0"/>
+              <a:rPr lang="en-US" sz="2000" dirty="0"/>
               <a:t>.</a:t>
             </a:r>
           </a:p>
           <a:p>
             <a:pPr lvl="1"/>
             <a:r>
+              <a:rPr lang="en-US" sz="1800" dirty="0"/>
+              <a:t>Identify, analyze, and discuss trends regarding individual features</a:t>
+            </a:r>
+          </a:p>
+          <a:p>
+            <a:r>
+              <a:rPr lang="en-US" sz="2000" u="sng" dirty="0"/>
+              <a:t>Clustering (quantitative)</a:t>
+            </a:r>
+            <a:r>
               <a:rPr lang="en-US" sz="2000" dirty="0"/>
+              <a:t>.</a:t>
+            </a:r>
+          </a:p>
+          <a:p>
+            <a:pPr lvl="1"/>
+            <a:r>
+              <a:rPr lang="en-US" sz="1800" dirty="0"/>
+              <a:t>Identify, analyze, and discuss specific groups of multimodal research regarding several features</a:t>
+            </a:r>
+          </a:p>
+          <a:p>
+            <a:r>
+              <a:rPr lang="en-US" sz="2000" u="sng" dirty="0"/>
+              <a:t>Subdomain Analysis (qualitative)</a:t>
+            </a:r>
+            <a:r>
+              <a:rPr lang="en-US" sz="2000" dirty="0"/>
+              <a:t>.</a:t>
+            </a:r>
+          </a:p>
+          <a:p>
+            <a:pPr lvl="1"/>
+            <a:r>
+              <a:rPr lang="en-US" sz="1800" dirty="0"/>
               <a:t>Natural Language</a:t>
             </a:r>
           </a:p>
           <a:p>
             <a:pPr lvl="1"/>
             <a:r>
-              <a:rPr lang="en-US" sz="2000" dirty="0"/>
+              <a:rPr lang="en-US" sz="1800" dirty="0"/>
               <a:t>Vision</a:t>
             </a:r>
           </a:p>
           <a:p>
             <a:pPr lvl="1"/>
             <a:r>
-              <a:rPr lang="en-US" sz="2000" dirty="0"/>
+              <a:rPr lang="en-US" sz="1800" dirty="0"/>
               <a:t>CPS/Sensors</a:t>
             </a:r>
           </a:p>
           <a:p>
             <a:pPr lvl="1"/>
             <a:r>
-              <a:rPr lang="en-US" sz="2000" dirty="0"/>
+              <a:rPr lang="en-US" sz="1800" dirty="0"/>
               <a:t>Human-Centered</a:t>
             </a:r>
           </a:p>
           <a:p>
             <a:pPr lvl="1"/>
             <a:r>
-              <a:rPr lang="en-US" sz="2000" dirty="0"/>
+              <a:rPr lang="en-US" sz="1800" dirty="0"/>
               <a:t>Logs</a:t>
             </a:r>
-            <a:endParaRPr lang="en-US" u="sng" dirty="0"/>
+            <a:endParaRPr lang="en-US" sz="1800" u="sng" dirty="0"/>
           </a:p>
         </p:txBody>
       </p:sp>
@@ -54809,6 +54824,119 @@
     <p:extLst>
       <p:ext uri="{BB962C8B-B14F-4D97-AF65-F5344CB8AC3E}">
         <p14:creationId xmlns:p14="http://schemas.microsoft.com/office/powerpoint/2010/main" val="3972437730"/>
+      </p:ext>
+    </p:extLst>
+  </p:cSld>
+  <p:clrMapOvr>
+    <a:masterClrMapping/>
+  </p:clrMapOvr>
+</p:sld>
+</file>
+
+<file path=ppt/slides/slide6.xml><?xml version="1.0" encoding="utf-8"?>
+<p:sld xmlns:a="http://schemas.openxmlformats.org/drawingml/2006/main" xmlns:r="http://schemas.openxmlformats.org/officeDocument/2006/relationships" xmlns:p="http://schemas.openxmlformats.org/presentationml/2006/main">
+  <p:cSld>
+    <p:spTree>
+      <p:nvGrpSpPr>
+        <p:cNvPr id="1" name=""/>
+        <p:cNvGrpSpPr/>
+        <p:nvPr/>
+      </p:nvGrpSpPr>
+      <p:grpSpPr>
+        <a:xfrm>
+          <a:off x="0" y="0"/>
+          <a:ext cx="0" cy="0"/>
+          <a:chOff x="0" y="0"/>
+          <a:chExt cx="0" cy="0"/>
+        </a:xfrm>
+      </p:grpSpPr>
+      <p:sp>
+        <p:nvSpPr>
+          <p:cNvPr id="2" name="Slide Number Placeholder 1">
+            <a:extLst>
+              <a:ext uri="{FF2B5EF4-FFF2-40B4-BE49-F238E27FC236}">
+                <a16:creationId xmlns:a16="http://schemas.microsoft.com/office/drawing/2014/main" id="{1E7C2662-C5B9-CC11-615B-7928AA67EB08}"/>
+              </a:ext>
+            </a:extLst>
+          </p:cNvPr>
+          <p:cNvSpPr>
+            <a:spLocks noGrp="1"/>
+          </p:cNvSpPr>
+          <p:nvPr>
+            <p:ph type="sldNum" sz="quarter" idx="12"/>
+          </p:nvPr>
+        </p:nvSpPr>
+        <p:spPr/>
+        <p:txBody>
+          <a:bodyPr/>
+          <a:lstStyle/>
+          <a:p>
+            <a:fld id="{DFD60DC2-8B28-E340-A84D-ADC5DE2B31F0}" type="slidenum">
+              <a:rPr lang="en-US" smtClean="0"/>
+              <a:pPr/>
+              <a:t>6</a:t>
+            </a:fld>
+            <a:endParaRPr lang="en-US" dirty="0"/>
+          </a:p>
+        </p:txBody>
+      </p:sp>
+      <p:sp>
+        <p:nvSpPr>
+          <p:cNvPr id="3" name="Title 2">
+            <a:extLst>
+              <a:ext uri="{FF2B5EF4-FFF2-40B4-BE49-F238E27FC236}">
+                <a16:creationId xmlns:a16="http://schemas.microsoft.com/office/drawing/2014/main" id="{94F0E1A5-1339-E940-2047-EE6253F85AFA}"/>
+              </a:ext>
+            </a:extLst>
+          </p:cNvPr>
+          <p:cNvSpPr>
+            <a:spLocks noGrp="1"/>
+          </p:cNvSpPr>
+          <p:nvPr>
+            <p:ph type="title"/>
+          </p:nvPr>
+        </p:nvSpPr>
+        <p:spPr/>
+        <p:txBody>
+          <a:bodyPr/>
+          <a:lstStyle/>
+          <a:p>
+            <a:r>
+              <a:rPr lang="en-US" dirty="0"/>
+              <a:t>notes</a:t>
+            </a:r>
+          </a:p>
+        </p:txBody>
+      </p:sp>
+      <p:sp>
+        <p:nvSpPr>
+          <p:cNvPr id="4" name="Content Placeholder 3">
+            <a:extLst>
+              <a:ext uri="{FF2B5EF4-FFF2-40B4-BE49-F238E27FC236}">
+                <a16:creationId xmlns:a16="http://schemas.microsoft.com/office/drawing/2014/main" id="{D66DCDBB-800C-BDEE-AA35-3E2F7603CF66}"/>
+              </a:ext>
+            </a:extLst>
+          </p:cNvPr>
+          <p:cNvSpPr>
+            <a:spLocks noGrp="1"/>
+          </p:cNvSpPr>
+          <p:nvPr>
+            <p:ph idx="1"/>
+          </p:nvPr>
+        </p:nvSpPr>
+        <p:spPr/>
+        <p:txBody>
+          <a:bodyPr/>
+          <a:lstStyle/>
+          <a:p>
+            <a:endParaRPr lang="en-US" dirty="0"/>
+          </a:p>
+        </p:txBody>
+      </p:sp>
+    </p:spTree>
+    <p:extLst>
+      <p:ext uri="{BB962C8B-B14F-4D97-AF65-F5344CB8AC3E}">
+        <p14:creationId xmlns:p14="http://schemas.microsoft.com/office/powerpoint/2010/main" val="1664259924"/>
       </p:ext>
     </p:extLst>
   </p:cSld>
